--- a/Chapter 2. Python for Data Scientists/Module 2. SQL/3. SQL Subqueries.pptx
+++ b/Chapter 2. Python for Data Scientists/Module 2. SQL/3. SQL Subqueries.pptx
@@ -116,6 +116,11 @@
       </a:defRPr>
     </a:lvl9pPr>
   </p:defaultTextStyle>
+  <p:extLst>
+    <p:ext uri="{EFAFB233-063F-42B5-8137-9DF3F51BA10A}">
+      <p15:sldGuideLst xmlns:p15="http://schemas.microsoft.com/office/powerpoint/2012/main"/>
+    </p:ext>
+  </p:extLst>
 </p:presentation>
 </file>
 
@@ -201,7 +206,7 @@
           <a:p>
             <a:fld id="{D9E1DF6F-C741-46F1-9D4D-4E3BC0E90482}" type="datetimeFigureOut">
               <a:rPr lang="en-GB" smtClean="0"/>
-              <a:t>05/07/2020</a:t>
+              <a:t>29/08/2020</a:t>
             </a:fld>
             <a:endParaRPr lang="en-GB"/>
           </a:p>
@@ -1475,7 +1480,7 @@
           <a:p>
             <a:fld id="{FBC62340-4895-4F40-8E41-5A6803701F45}" type="datetimeFigureOut">
               <a:rPr lang="en-GB" smtClean="0"/>
-              <a:t>05/07/2020</a:t>
+              <a:t>29/08/2020</a:t>
             </a:fld>
             <a:endParaRPr lang="en-GB"/>
           </a:p>
@@ -1675,7 +1680,7 @@
           <a:p>
             <a:fld id="{FBC62340-4895-4F40-8E41-5A6803701F45}" type="datetimeFigureOut">
               <a:rPr lang="en-GB" smtClean="0"/>
-              <a:t>05/07/2020</a:t>
+              <a:t>29/08/2020</a:t>
             </a:fld>
             <a:endParaRPr lang="en-GB"/>
           </a:p>
@@ -1885,7 +1890,7 @@
           <a:p>
             <a:fld id="{FBC62340-4895-4F40-8E41-5A6803701F45}" type="datetimeFigureOut">
               <a:rPr lang="en-GB" smtClean="0"/>
-              <a:t>05/07/2020</a:t>
+              <a:t>29/08/2020</a:t>
             </a:fld>
             <a:endParaRPr lang="en-GB"/>
           </a:p>
@@ -2085,7 +2090,7 @@
           <a:p>
             <a:fld id="{FBC62340-4895-4F40-8E41-5A6803701F45}" type="datetimeFigureOut">
               <a:rPr lang="en-GB" smtClean="0"/>
-              <a:t>05/07/2020</a:t>
+              <a:t>29/08/2020</a:t>
             </a:fld>
             <a:endParaRPr lang="en-GB"/>
           </a:p>
@@ -2361,7 +2366,7 @@
           <a:p>
             <a:fld id="{FBC62340-4895-4F40-8E41-5A6803701F45}" type="datetimeFigureOut">
               <a:rPr lang="en-GB" smtClean="0"/>
-              <a:t>05/07/2020</a:t>
+              <a:t>29/08/2020</a:t>
             </a:fld>
             <a:endParaRPr lang="en-GB"/>
           </a:p>
@@ -2629,7 +2634,7 @@
           <a:p>
             <a:fld id="{FBC62340-4895-4F40-8E41-5A6803701F45}" type="datetimeFigureOut">
               <a:rPr lang="en-GB" smtClean="0"/>
-              <a:t>05/07/2020</a:t>
+              <a:t>29/08/2020</a:t>
             </a:fld>
             <a:endParaRPr lang="en-GB"/>
           </a:p>
@@ -3044,7 +3049,7 @@
           <a:p>
             <a:fld id="{FBC62340-4895-4F40-8E41-5A6803701F45}" type="datetimeFigureOut">
               <a:rPr lang="en-GB" smtClean="0"/>
-              <a:t>05/07/2020</a:t>
+              <a:t>29/08/2020</a:t>
             </a:fld>
             <a:endParaRPr lang="en-GB"/>
           </a:p>
@@ -3186,7 +3191,7 @@
           <a:p>
             <a:fld id="{FBC62340-4895-4F40-8E41-5A6803701F45}" type="datetimeFigureOut">
               <a:rPr lang="en-GB" smtClean="0"/>
-              <a:t>05/07/2020</a:t>
+              <a:t>29/08/2020</a:t>
             </a:fld>
             <a:endParaRPr lang="en-GB"/>
           </a:p>
@@ -3299,7 +3304,7 @@
           <a:p>
             <a:fld id="{FBC62340-4895-4F40-8E41-5A6803701F45}" type="datetimeFigureOut">
               <a:rPr lang="en-GB" smtClean="0"/>
-              <a:t>05/07/2020</a:t>
+              <a:t>29/08/2020</a:t>
             </a:fld>
             <a:endParaRPr lang="en-GB"/>
           </a:p>
@@ -3612,7 +3617,7 @@
           <a:p>
             <a:fld id="{FBC62340-4895-4F40-8E41-5A6803701F45}" type="datetimeFigureOut">
               <a:rPr lang="en-GB" smtClean="0"/>
-              <a:t>05/07/2020</a:t>
+              <a:t>29/08/2020</a:t>
             </a:fld>
             <a:endParaRPr lang="en-GB"/>
           </a:p>
@@ -3901,7 +3906,7 @@
           <a:p>
             <a:fld id="{FBC62340-4895-4F40-8E41-5A6803701F45}" type="datetimeFigureOut">
               <a:rPr lang="en-GB" smtClean="0"/>
-              <a:t>05/07/2020</a:t>
+              <a:t>29/08/2020</a:t>
             </a:fld>
             <a:endParaRPr lang="en-GB"/>
           </a:p>
@@ -4144,7 +4149,7 @@
           <a:p>
             <a:fld id="{FBC62340-4895-4F40-8E41-5A6803701F45}" type="datetimeFigureOut">
               <a:rPr lang="en-GB" smtClean="0"/>
-              <a:t>05/07/2020</a:t>
+              <a:t>29/08/2020</a:t>
             </a:fld>
             <a:endParaRPr lang="en-GB"/>
           </a:p>
